--- a/Documentation/Presentation/OpenSceneGraph.pptx
+++ b/Documentation/Presentation/OpenSceneGraph.pptx
@@ -243,7 +243,7 @@
           <a:p>
             <a:fld id="{2D49AE8E-02B2-4E30-9994-1B5A79D6E33F}" type="datetimeFigureOut">
               <a:rPr lang="de-DE" smtClean="0"/>
-              <a:t>10.01.2021</a:t>
+              <a:t>12.01.2021</a:t>
             </a:fld>
             <a:endParaRPr lang="de-DE"/>
           </a:p>
@@ -594,6 +594,90 @@
 </p:notes>
 </file>
 
+<file path=ppt/notesSlides/notesSlide10.xml><?xml version="1.0" encoding="utf-8"?>
+<p:notes xmlns:a="http://schemas.openxmlformats.org/drawingml/2006/main" xmlns:r="http://schemas.openxmlformats.org/officeDocument/2006/relationships" xmlns:p="http://schemas.openxmlformats.org/presentationml/2006/main">
+  <p:cSld>
+    <p:spTree>
+      <p:nvGrpSpPr>
+        <p:cNvPr id="1" name=""/>
+        <p:cNvGrpSpPr/>
+        <p:nvPr/>
+      </p:nvGrpSpPr>
+      <p:grpSpPr>
+        <a:xfrm>
+          <a:off x="0" y="0"/>
+          <a:ext cx="0" cy="0"/>
+          <a:chOff x="0" y="0"/>
+          <a:chExt cx="0" cy="0"/>
+        </a:xfrm>
+      </p:grpSpPr>
+      <p:sp>
+        <p:nvSpPr>
+          <p:cNvPr id="2" name="Folienbildplatzhalter 1"/>
+          <p:cNvSpPr>
+            <a:spLocks noGrp="1" noRot="1" noChangeAspect="1"/>
+          </p:cNvSpPr>
+          <p:nvPr>
+            <p:ph type="sldImg"/>
+          </p:nvPr>
+        </p:nvSpPr>
+        <p:spPr/>
+      </p:sp>
+      <p:sp>
+        <p:nvSpPr>
+          <p:cNvPr id="3" name="Notizenplatzhalter 2"/>
+          <p:cNvSpPr>
+            <a:spLocks noGrp="1"/>
+          </p:cNvSpPr>
+          <p:nvPr>
+            <p:ph type="body" idx="1"/>
+          </p:nvPr>
+        </p:nvSpPr>
+        <p:spPr/>
+        <p:txBody>
+          <a:bodyPr/>
+          <a:lstStyle/>
+          <a:p>
+            <a:endParaRPr lang="de-DE"/>
+          </a:p>
+        </p:txBody>
+      </p:sp>
+      <p:sp>
+        <p:nvSpPr>
+          <p:cNvPr id="4" name="Foliennummernplatzhalter 3"/>
+          <p:cNvSpPr>
+            <a:spLocks noGrp="1"/>
+          </p:cNvSpPr>
+          <p:nvPr>
+            <p:ph type="sldNum" sz="quarter" idx="5"/>
+          </p:nvPr>
+        </p:nvSpPr>
+        <p:spPr/>
+        <p:txBody>
+          <a:bodyPr/>
+          <a:lstStyle/>
+          <a:p>
+            <a:fld id="{43975154-5F3D-4D8C-AA58-4B75FDFD3EEE}" type="slidenum">
+              <a:rPr lang="de-DE" smtClean="0"/>
+              <a:t>24</a:t>
+            </a:fld>
+            <a:endParaRPr lang="de-DE"/>
+          </a:p>
+        </p:txBody>
+      </p:sp>
+    </p:spTree>
+    <p:extLst>
+      <p:ext uri="{BB962C8B-B14F-4D97-AF65-F5344CB8AC3E}">
+        <p14:creationId xmlns:p14="http://schemas.microsoft.com/office/powerpoint/2010/main" val="2322558712"/>
+      </p:ext>
+    </p:extLst>
+  </p:cSld>
+  <p:clrMapOvr>
+    <a:masterClrMapping/>
+  </p:clrMapOvr>
+</p:notes>
+</file>
+
 <file path=ppt/notesSlides/notesSlide2.xml><?xml version="1.0" encoding="utf-8"?>
 <p:notes xmlns:a="http://schemas.openxmlformats.org/drawingml/2006/main" xmlns:r="http://schemas.openxmlformats.org/officeDocument/2006/relationships" xmlns:p="http://schemas.openxmlformats.org/presentationml/2006/main">
   <p:cSld>
@@ -722,7 +806,11 @@
           <a:bodyPr/>
           <a:lstStyle/>
           <a:p>
-            <a:endParaRPr lang="de-DE"/>
+            <a:r>
+              <a:rPr lang="de-DE"/>
+              <a:t>Blätter stellen zu renderende Objekte dar</a:t>
+            </a:r>
+            <a:endParaRPr lang="en-GB"/>
           </a:p>
         </p:txBody>
       </p:sp>
@@ -743,7 +831,7 @@
           <a:p>
             <a:fld id="{43975154-5F3D-4D8C-AA58-4B75FDFD3EEE}" type="slidenum">
               <a:rPr lang="de-DE" smtClean="0"/>
-              <a:t>9</a:t>
+              <a:t>6</a:t>
             </a:fld>
             <a:endParaRPr lang="de-DE"/>
           </a:p>
@@ -752,7 +840,7 @@
     </p:spTree>
     <p:extLst>
       <p:ext uri="{BB962C8B-B14F-4D97-AF65-F5344CB8AC3E}">
-        <p14:creationId xmlns:p14="http://schemas.microsoft.com/office/powerpoint/2010/main" val="2112271703"/>
+        <p14:creationId xmlns:p14="http://schemas.microsoft.com/office/powerpoint/2010/main" val="243508059"/>
       </p:ext>
     </p:extLst>
   </p:cSld>
@@ -827,7 +915,7 @@
           <a:p>
             <a:fld id="{43975154-5F3D-4D8C-AA58-4B75FDFD3EEE}" type="slidenum">
               <a:rPr lang="de-DE" smtClean="0"/>
-              <a:t>17</a:t>
+              <a:t>9</a:t>
             </a:fld>
             <a:endParaRPr lang="de-DE"/>
           </a:p>
@@ -836,7 +924,7 @@
     </p:spTree>
     <p:extLst>
       <p:ext uri="{BB962C8B-B14F-4D97-AF65-F5344CB8AC3E}">
-        <p14:creationId xmlns:p14="http://schemas.microsoft.com/office/powerpoint/2010/main" val="4247978732"/>
+        <p14:creationId xmlns:p14="http://schemas.microsoft.com/office/powerpoint/2010/main" val="2112271703"/>
       </p:ext>
     </p:extLst>
   </p:cSld>
@@ -890,7 +978,11 @@
           <a:bodyPr/>
           <a:lstStyle/>
           <a:p>
-            <a:endParaRPr lang="de-DE"/>
+            <a:r>
+              <a:rPr lang="de-DE"/>
+              <a:t>Über Cmake oder Pre Build Libraries</a:t>
+            </a:r>
+            <a:endParaRPr lang="en-GB"/>
           </a:p>
         </p:txBody>
       </p:sp>
@@ -911,7 +1003,7 @@
           <a:p>
             <a:fld id="{43975154-5F3D-4D8C-AA58-4B75FDFD3EEE}" type="slidenum">
               <a:rPr lang="de-DE" smtClean="0"/>
-              <a:t>18</a:t>
+              <a:t>10</a:t>
             </a:fld>
             <a:endParaRPr lang="de-DE"/>
           </a:p>
@@ -920,7 +1012,7 @@
     </p:spTree>
     <p:extLst>
       <p:ext uri="{BB962C8B-B14F-4D97-AF65-F5344CB8AC3E}">
-        <p14:creationId xmlns:p14="http://schemas.microsoft.com/office/powerpoint/2010/main" val="3966418059"/>
+        <p14:creationId xmlns:p14="http://schemas.microsoft.com/office/powerpoint/2010/main" val="2967217103"/>
       </p:ext>
     </p:extLst>
   </p:cSld>
@@ -995,7 +1087,7 @@
           <a:p>
             <a:fld id="{43975154-5F3D-4D8C-AA58-4B75FDFD3EEE}" type="slidenum">
               <a:rPr lang="de-DE" smtClean="0"/>
-              <a:t>20</a:t>
+              <a:t>17</a:t>
             </a:fld>
             <a:endParaRPr lang="de-DE"/>
           </a:p>
@@ -1004,7 +1096,7 @@
     </p:spTree>
     <p:extLst>
       <p:ext uri="{BB962C8B-B14F-4D97-AF65-F5344CB8AC3E}">
-        <p14:creationId xmlns:p14="http://schemas.microsoft.com/office/powerpoint/2010/main" val="3815593386"/>
+        <p14:creationId xmlns:p14="http://schemas.microsoft.com/office/powerpoint/2010/main" val="4247978732"/>
       </p:ext>
     </p:extLst>
   </p:cSld>
@@ -1058,19 +1150,7 @@
           <a:bodyPr/>
           <a:lstStyle/>
           <a:p>
-            <a:r>
-              <a:rPr lang="en-GB" sz="1200" b="0" i="0" kern="1200">
-                <a:solidFill>
-                  <a:schemeClr val="tx1"/>
-                </a:solidFill>
-                <a:effectLst/>
-                <a:latin typeface="+mn-lt"/>
-                <a:ea typeface="+mn-ea"/>
-                <a:cs typeface="+mn-cs"/>
-              </a:rPr>
-              <a:t>Pirates of the XXI century" is the main project of !DIOsoft company (Kyiv, Ukraine)</a:t>
-            </a:r>
-            <a:endParaRPr lang="en-GB"/>
+            <a:endParaRPr lang="de-DE"/>
           </a:p>
         </p:txBody>
       </p:sp>
@@ -1091,7 +1171,7 @@
           <a:p>
             <a:fld id="{43975154-5F3D-4D8C-AA58-4B75FDFD3EEE}" type="slidenum">
               <a:rPr lang="de-DE" smtClean="0"/>
-              <a:t>21</a:t>
+              <a:t>18</a:t>
             </a:fld>
             <a:endParaRPr lang="de-DE"/>
           </a:p>
@@ -1100,7 +1180,7 @@
     </p:spTree>
     <p:extLst>
       <p:ext uri="{BB962C8B-B14F-4D97-AF65-F5344CB8AC3E}">
-        <p14:creationId xmlns:p14="http://schemas.microsoft.com/office/powerpoint/2010/main" val="2778660343"/>
+        <p14:creationId xmlns:p14="http://schemas.microsoft.com/office/powerpoint/2010/main" val="3966418059"/>
       </p:ext>
     </p:extLst>
   </p:cSld>
@@ -1175,7 +1255,7 @@
           <a:p>
             <a:fld id="{43975154-5F3D-4D8C-AA58-4B75FDFD3EEE}" type="slidenum">
               <a:rPr lang="de-DE" smtClean="0"/>
-              <a:t>24</a:t>
+              <a:t>20</a:t>
             </a:fld>
             <a:endParaRPr lang="de-DE"/>
           </a:p>
@@ -1184,7 +1264,103 @@
     </p:spTree>
     <p:extLst>
       <p:ext uri="{BB962C8B-B14F-4D97-AF65-F5344CB8AC3E}">
-        <p14:creationId xmlns:p14="http://schemas.microsoft.com/office/powerpoint/2010/main" val="2322558712"/>
+        <p14:creationId xmlns:p14="http://schemas.microsoft.com/office/powerpoint/2010/main" val="3815593386"/>
+      </p:ext>
+    </p:extLst>
+  </p:cSld>
+  <p:clrMapOvr>
+    <a:masterClrMapping/>
+  </p:clrMapOvr>
+</p:notes>
+</file>
+
+<file path=ppt/notesSlides/notesSlide9.xml><?xml version="1.0" encoding="utf-8"?>
+<p:notes xmlns:a="http://schemas.openxmlformats.org/drawingml/2006/main" xmlns:r="http://schemas.openxmlformats.org/officeDocument/2006/relationships" xmlns:p="http://schemas.openxmlformats.org/presentationml/2006/main">
+  <p:cSld>
+    <p:spTree>
+      <p:nvGrpSpPr>
+        <p:cNvPr id="1" name=""/>
+        <p:cNvGrpSpPr/>
+        <p:nvPr/>
+      </p:nvGrpSpPr>
+      <p:grpSpPr>
+        <a:xfrm>
+          <a:off x="0" y="0"/>
+          <a:ext cx="0" cy="0"/>
+          <a:chOff x="0" y="0"/>
+          <a:chExt cx="0" cy="0"/>
+        </a:xfrm>
+      </p:grpSpPr>
+      <p:sp>
+        <p:nvSpPr>
+          <p:cNvPr id="2" name="Folienbildplatzhalter 1"/>
+          <p:cNvSpPr>
+            <a:spLocks noGrp="1" noRot="1" noChangeAspect="1"/>
+          </p:cNvSpPr>
+          <p:nvPr>
+            <p:ph type="sldImg"/>
+          </p:nvPr>
+        </p:nvSpPr>
+        <p:spPr/>
+      </p:sp>
+      <p:sp>
+        <p:nvSpPr>
+          <p:cNvPr id="3" name="Notizenplatzhalter 2"/>
+          <p:cNvSpPr>
+            <a:spLocks noGrp="1"/>
+          </p:cNvSpPr>
+          <p:nvPr>
+            <p:ph type="body" idx="1"/>
+          </p:nvPr>
+        </p:nvSpPr>
+        <p:spPr/>
+        <p:txBody>
+          <a:bodyPr/>
+          <a:lstStyle/>
+          <a:p>
+            <a:r>
+              <a:rPr lang="en-GB" sz="1200" b="0" i="0" kern="1200">
+                <a:solidFill>
+                  <a:schemeClr val="tx1"/>
+                </a:solidFill>
+                <a:effectLst/>
+                <a:latin typeface="+mn-lt"/>
+                <a:ea typeface="+mn-ea"/>
+                <a:cs typeface="+mn-cs"/>
+              </a:rPr>
+              <a:t>Pirates of the XXI century" is the main project of !DIOsoft company (Kyiv, Ukraine)</a:t>
+            </a:r>
+            <a:endParaRPr lang="en-GB"/>
+          </a:p>
+        </p:txBody>
+      </p:sp>
+      <p:sp>
+        <p:nvSpPr>
+          <p:cNvPr id="4" name="Foliennummernplatzhalter 3"/>
+          <p:cNvSpPr>
+            <a:spLocks noGrp="1"/>
+          </p:cNvSpPr>
+          <p:nvPr>
+            <p:ph type="sldNum" sz="quarter" idx="5"/>
+          </p:nvPr>
+        </p:nvSpPr>
+        <p:spPr/>
+        <p:txBody>
+          <a:bodyPr/>
+          <a:lstStyle/>
+          <a:p>
+            <a:fld id="{43975154-5F3D-4D8C-AA58-4B75FDFD3EEE}" type="slidenum">
+              <a:rPr lang="de-DE" smtClean="0"/>
+              <a:t>21</a:t>
+            </a:fld>
+            <a:endParaRPr lang="de-DE"/>
+          </a:p>
+        </p:txBody>
+      </p:sp>
+    </p:spTree>
+    <p:extLst>
+      <p:ext uri="{BB962C8B-B14F-4D97-AF65-F5344CB8AC3E}">
+        <p14:creationId xmlns:p14="http://schemas.microsoft.com/office/powerpoint/2010/main" val="2778660343"/>
       </p:ext>
     </p:extLst>
   </p:cSld>
@@ -36890,7 +37066,7 @@
         </p:nvSpPr>
         <p:spPr>
           <a:xfrm>
-            <a:off x="8947440" y="2494991"/>
+            <a:off x="8921064" y="2494991"/>
             <a:ext cx="1810693" cy="430887"/>
           </a:xfrm>
           <a:prstGeom prst="rect">
